--- a/07_02RecursionCS152.pptx
+++ b/07_02RecursionCS152.pptx
@@ -269,635 +269,29 @@
 </p:presentation>
 </file>
 
-<file path=ppt/revisionInfo.xml><?xml version="1.0" encoding="utf-8"?>
-<p1510:revInfo xmlns:a="http://schemas.openxmlformats.org/drawingml/2006/main" xmlns:r="http://schemas.openxmlformats.org/officeDocument/2006/relationships" xmlns:p1510="http://schemas.microsoft.com/office/powerpoint/2015/10/main">
-  <p1510:revLst>
-    <p1510:client id="{CDF550E2-8E3B-484C-9123-A3E8F29C76B4}" v="93" dt="2022-10-02T22:11:45.968"/>
-  </p1510:revLst>
-</p1510:revInfo>
-</file>
-
 <file path=ppt/changesInfos/changesInfo1.xml><?xml version="1.0" encoding="utf-8"?>
 <pc:chgInfo xmlns:a="http://schemas.openxmlformats.org/drawingml/2006/main" xmlns:r="http://schemas.openxmlformats.org/officeDocument/2006/relationships" xmlns:ac="http://schemas.microsoft.com/office/drawing/2013/main/command" xmlns:pc="http://schemas.microsoft.com/office/powerpoint/2013/main/command">
   <pc:docChgLst>
     <pc:chgData name="Moraes,Marcia" userId="c9c67e8a-58e2-4733-9a1c-5d44fec4775b" providerId="ADAL" clId="{CDF550E2-8E3B-484C-9123-A3E8F29C76B4}"/>
-    <pc:docChg chg="custSel addSld delSld modSld sldOrd">
-      <pc:chgData name="Moraes,Marcia" userId="c9c67e8a-58e2-4733-9a1c-5d44fec4775b" providerId="ADAL" clId="{CDF550E2-8E3B-484C-9123-A3E8F29C76B4}" dt="2022-10-02T22:19:52.658" v="1877" actId="20577"/>
+  </pc:docChgLst>
+  <pc:docChgLst>
+    <pc:chgData name="Marcia Moraes" userId="c9c67e8a-58e2-4733-9a1c-5d44fec4775b" providerId="ADAL" clId="{0FF1E190-C8B8-40A8-912C-7C527D186A9C}"/>
+    <pc:docChg chg="modSld">
+      <pc:chgData name="Marcia Moraes" userId="c9c67e8a-58e2-4733-9a1c-5d44fec4775b" providerId="ADAL" clId="{0FF1E190-C8B8-40A8-912C-7C527D186A9C}" dt="2024-09-05T21:46:45.800" v="0"/>
       <pc:docMkLst>
         <pc:docMk/>
       </pc:docMkLst>
-      <pc:sldChg chg="modSp mod">
-        <pc:chgData name="Moraes,Marcia" userId="c9c67e8a-58e2-4733-9a1c-5d44fec4775b" providerId="ADAL" clId="{CDF550E2-8E3B-484C-9123-A3E8F29C76B4}" dt="2022-10-02T21:15:13.563" v="8" actId="20577"/>
-        <pc:sldMkLst>
-          <pc:docMk/>
-          <pc:sldMk cId="0" sldId="256"/>
-        </pc:sldMkLst>
-        <pc:spChg chg="mod">
-          <ac:chgData name="Moraes,Marcia" userId="c9c67e8a-58e2-4733-9a1c-5d44fec4775b" providerId="ADAL" clId="{CDF550E2-8E3B-484C-9123-A3E8F29C76B4}" dt="2022-10-02T21:15:13.563" v="8" actId="20577"/>
-          <ac:spMkLst>
-            <pc:docMk/>
-            <pc:sldMk cId="0" sldId="256"/>
-            <ac:spMk id="185" creationId="{00000000-0000-0000-0000-000000000000}"/>
-          </ac:spMkLst>
-        </pc:spChg>
-      </pc:sldChg>
-      <pc:sldChg chg="addSp delSp modSp mod">
-        <pc:chgData name="Moraes,Marcia" userId="c9c67e8a-58e2-4733-9a1c-5d44fec4775b" providerId="ADAL" clId="{CDF550E2-8E3B-484C-9123-A3E8F29C76B4}" dt="2022-10-02T21:17:00.331" v="15" actId="1076"/>
-        <pc:sldMkLst>
-          <pc:docMk/>
-          <pc:sldMk cId="2954226462" sldId="268"/>
-        </pc:sldMkLst>
-        <pc:spChg chg="mod">
-          <ac:chgData name="Moraes,Marcia" userId="c9c67e8a-58e2-4733-9a1c-5d44fec4775b" providerId="ADAL" clId="{CDF550E2-8E3B-484C-9123-A3E8F29C76B4}" dt="2022-10-02T21:15:26.426" v="11" actId="20577"/>
-          <ac:spMkLst>
-            <pc:docMk/>
-            <pc:sldMk cId="2954226462" sldId="268"/>
-            <ac:spMk id="7" creationId="{F1F79DD2-1F3F-234C-A44A-3A87D436D29A}"/>
-          </ac:spMkLst>
-        </pc:spChg>
-        <pc:picChg chg="del">
-          <ac:chgData name="Moraes,Marcia" userId="c9c67e8a-58e2-4733-9a1c-5d44fec4775b" providerId="ADAL" clId="{CDF550E2-8E3B-484C-9123-A3E8F29C76B4}" dt="2022-10-02T21:16:49.935" v="12" actId="478"/>
-          <ac:picMkLst>
-            <pc:docMk/>
-            <pc:sldMk cId="2954226462" sldId="268"/>
-            <ac:picMk id="2" creationId="{28A65AB3-54A8-34E1-F8C6-9BBE7AB0AAA3}"/>
-          </ac:picMkLst>
-        </pc:picChg>
-        <pc:picChg chg="add mod">
-          <ac:chgData name="Moraes,Marcia" userId="c9c67e8a-58e2-4733-9a1c-5d44fec4775b" providerId="ADAL" clId="{CDF550E2-8E3B-484C-9123-A3E8F29C76B4}" dt="2022-10-02T21:17:00.331" v="15" actId="1076"/>
-          <ac:picMkLst>
-            <pc:docMk/>
-            <pc:sldMk cId="2954226462" sldId="268"/>
-            <ac:picMk id="1026" creationId="{763B7C13-20F5-5B71-2744-82A0D4BD3E51}"/>
-          </ac:picMkLst>
-        </pc:picChg>
-      </pc:sldChg>
-      <pc:sldChg chg="addSp delSp modSp mod">
-        <pc:chgData name="Moraes,Marcia" userId="c9c67e8a-58e2-4733-9a1c-5d44fec4775b" providerId="ADAL" clId="{CDF550E2-8E3B-484C-9123-A3E8F29C76B4}" dt="2022-10-02T21:25:41.141" v="242" actId="14100"/>
+      <pc:sldChg chg="modSp">
+        <pc:chgData name="Marcia Moraes" userId="c9c67e8a-58e2-4733-9a1c-5d44fec4775b" providerId="ADAL" clId="{0FF1E190-C8B8-40A8-912C-7C527D186A9C}" dt="2024-09-05T21:46:45.800" v="0"/>
         <pc:sldMkLst>
           <pc:docMk/>
           <pc:sldMk cId="1172125351" sldId="288"/>
         </pc:sldMkLst>
         <pc:spChg chg="mod">
-          <ac:chgData name="Moraes,Marcia" userId="c9c67e8a-58e2-4733-9a1c-5d44fec4775b" providerId="ADAL" clId="{CDF550E2-8E3B-484C-9123-A3E8F29C76B4}" dt="2022-10-02T21:17:25.154" v="19" actId="1076"/>
+          <ac:chgData name="Marcia Moraes" userId="c9c67e8a-58e2-4733-9a1c-5d44fec4775b" providerId="ADAL" clId="{0FF1E190-C8B8-40A8-912C-7C527D186A9C}" dt="2024-09-05T21:46:45.800" v="0"/>
           <ac:spMkLst>
             <pc:docMk/>
             <pc:sldMk cId="1172125351" sldId="288"/>
-            <ac:spMk id="2" creationId="{6302E6FC-80C8-2F4C-A9F0-9B205434775A}"/>
-          </ac:spMkLst>
-        </pc:spChg>
-        <pc:spChg chg="add mod">
-          <ac:chgData name="Moraes,Marcia" userId="c9c67e8a-58e2-4733-9a1c-5d44fec4775b" providerId="ADAL" clId="{CDF550E2-8E3B-484C-9123-A3E8F29C76B4}" dt="2022-10-02T21:25:41.141" v="242" actId="14100"/>
-          <ac:spMkLst>
-            <pc:docMk/>
-            <pc:sldMk cId="1172125351" sldId="288"/>
-            <ac:spMk id="4" creationId="{EDD76D24-F9A2-8B05-DE9C-DFBF0C702332}"/>
-          </ac:spMkLst>
-        </pc:spChg>
-        <pc:spChg chg="del">
-          <ac:chgData name="Moraes,Marcia" userId="c9c67e8a-58e2-4733-9a1c-5d44fec4775b" providerId="ADAL" clId="{CDF550E2-8E3B-484C-9123-A3E8F29C76B4}" dt="2022-10-02T21:17:12.175" v="17" actId="478"/>
-          <ac:spMkLst>
-            <pc:docMk/>
-            <pc:sldMk cId="1172125351" sldId="288"/>
-            <ac:spMk id="5" creationId="{1BFDE030-0ACD-16BE-CEF1-5F14C2BCFAF1}"/>
-          </ac:spMkLst>
-        </pc:spChg>
-        <pc:spChg chg="del">
-          <ac:chgData name="Moraes,Marcia" userId="c9c67e8a-58e2-4733-9a1c-5d44fec4775b" providerId="ADAL" clId="{CDF550E2-8E3B-484C-9123-A3E8F29C76B4}" dt="2022-10-02T21:17:11.155" v="16" actId="478"/>
-          <ac:spMkLst>
-            <pc:docMk/>
-            <pc:sldMk cId="1172125351" sldId="288"/>
-            <ac:spMk id="7" creationId="{931E95E2-A386-367D-1F78-A32DB0702C64}"/>
-          </ac:spMkLst>
-        </pc:spChg>
-        <pc:spChg chg="del">
-          <ac:chgData name="Moraes,Marcia" userId="c9c67e8a-58e2-4733-9a1c-5d44fec4775b" providerId="ADAL" clId="{CDF550E2-8E3B-484C-9123-A3E8F29C76B4}" dt="2022-10-02T21:17:15.724" v="18" actId="478"/>
-          <ac:spMkLst>
-            <pc:docMk/>
-            <pc:sldMk cId="1172125351" sldId="288"/>
-            <ac:spMk id="8" creationId="{ABAA9B98-8834-73A2-9BAD-A88B69F1E4A3}"/>
-          </ac:spMkLst>
-        </pc:spChg>
-        <pc:picChg chg="add mod">
-          <ac:chgData name="Moraes,Marcia" userId="c9c67e8a-58e2-4733-9a1c-5d44fec4775b" providerId="ADAL" clId="{CDF550E2-8E3B-484C-9123-A3E8F29C76B4}" dt="2022-10-02T21:25:18.972" v="240" actId="1076"/>
-          <ac:picMkLst>
-            <pc:docMk/>
-            <pc:sldMk cId="1172125351" sldId="288"/>
-            <ac:picMk id="2050" creationId="{454906C0-6A25-57A4-8E3E-C492A7FA2B92}"/>
-          </ac:picMkLst>
-        </pc:picChg>
-      </pc:sldChg>
-      <pc:sldChg chg="addSp delSp modSp mod">
-        <pc:chgData name="Moraes,Marcia" userId="c9c67e8a-58e2-4733-9a1c-5d44fec4775b" providerId="ADAL" clId="{CDF550E2-8E3B-484C-9123-A3E8F29C76B4}" dt="2022-10-02T21:57:28.588" v="846"/>
-        <pc:sldMkLst>
-          <pc:docMk/>
-          <pc:sldMk cId="2447864037" sldId="289"/>
-        </pc:sldMkLst>
-        <pc:spChg chg="mod">
-          <ac:chgData name="Moraes,Marcia" userId="c9c67e8a-58e2-4733-9a1c-5d44fec4775b" providerId="ADAL" clId="{CDF550E2-8E3B-484C-9123-A3E8F29C76B4}" dt="2022-10-02T21:55:58.739" v="832" actId="20577"/>
-          <ac:spMkLst>
-            <pc:docMk/>
-            <pc:sldMk cId="2447864037" sldId="289"/>
-            <ac:spMk id="2" creationId="{6302E6FC-80C8-2F4C-A9F0-9B205434775A}"/>
-          </ac:spMkLst>
-        </pc:spChg>
-        <pc:spChg chg="del">
-          <ac:chgData name="Moraes,Marcia" userId="c9c67e8a-58e2-4733-9a1c-5d44fec4775b" providerId="ADAL" clId="{CDF550E2-8E3B-484C-9123-A3E8F29C76B4}" dt="2022-10-02T21:56:03.183" v="834" actId="478"/>
-          <ac:spMkLst>
-            <pc:docMk/>
-            <pc:sldMk cId="2447864037" sldId="289"/>
-            <ac:spMk id="3" creationId="{93E01694-2C32-BA4D-B6F8-4BE99716E841}"/>
-          </ac:spMkLst>
-        </pc:spChg>
-        <pc:spChg chg="add del mod">
-          <ac:chgData name="Moraes,Marcia" userId="c9c67e8a-58e2-4733-9a1c-5d44fec4775b" providerId="ADAL" clId="{CDF550E2-8E3B-484C-9123-A3E8F29C76B4}" dt="2022-10-02T21:56:17.421" v="836" actId="478"/>
-          <ac:spMkLst>
-            <pc:docMk/>
-            <pc:sldMk cId="2447864037" sldId="289"/>
-            <ac:spMk id="6" creationId="{F60107A9-1D09-0CAC-34B2-451D235D9FF9}"/>
-          </ac:spMkLst>
-        </pc:spChg>
-        <pc:spChg chg="add mod">
-          <ac:chgData name="Moraes,Marcia" userId="c9c67e8a-58e2-4733-9a1c-5d44fec4775b" providerId="ADAL" clId="{CDF550E2-8E3B-484C-9123-A3E8F29C76B4}" dt="2022-10-02T21:56:14.450" v="835"/>
-          <ac:spMkLst>
-            <pc:docMk/>
-            <pc:sldMk cId="2447864037" sldId="289"/>
-            <ac:spMk id="7" creationId="{7E3AFA68-1098-A58A-AFE6-A3CDB2C27107}"/>
-          </ac:spMkLst>
-        </pc:spChg>
-        <pc:spChg chg="add mod">
-          <ac:chgData name="Moraes,Marcia" userId="c9c67e8a-58e2-4733-9a1c-5d44fec4775b" providerId="ADAL" clId="{CDF550E2-8E3B-484C-9123-A3E8F29C76B4}" dt="2022-10-02T21:57:28.588" v="846"/>
-          <ac:spMkLst>
-            <pc:docMk/>
-            <pc:sldMk cId="2447864037" sldId="289"/>
-            <ac:spMk id="10" creationId="{B95A785D-CDF1-8370-85D2-2BEEBD973E2A}"/>
-          </ac:spMkLst>
-        </pc:spChg>
-        <pc:picChg chg="del">
-          <ac:chgData name="Moraes,Marcia" userId="c9c67e8a-58e2-4733-9a1c-5d44fec4775b" providerId="ADAL" clId="{CDF550E2-8E3B-484C-9123-A3E8F29C76B4}" dt="2022-10-02T21:56:01.338" v="833" actId="478"/>
-          <ac:picMkLst>
-            <pc:docMk/>
-            <pc:sldMk cId="2447864037" sldId="289"/>
-            <ac:picMk id="8" creationId="{1279586E-141D-47D7-FA6D-E0048E3962AD}"/>
-          </ac:picMkLst>
-        </pc:picChg>
-      </pc:sldChg>
-      <pc:sldChg chg="del">
-        <pc:chgData name="Moraes,Marcia" userId="c9c67e8a-58e2-4733-9a1c-5d44fec4775b" providerId="ADAL" clId="{CDF550E2-8E3B-484C-9123-A3E8F29C76B4}" dt="2022-10-02T21:58:26.725" v="847" actId="47"/>
-        <pc:sldMkLst>
-          <pc:docMk/>
-          <pc:sldMk cId="63851387" sldId="290"/>
-        </pc:sldMkLst>
-      </pc:sldChg>
-      <pc:sldChg chg="addSp delSp modSp mod delAnim modAnim">
-        <pc:chgData name="Moraes,Marcia" userId="c9c67e8a-58e2-4733-9a1c-5d44fec4775b" providerId="ADAL" clId="{CDF550E2-8E3B-484C-9123-A3E8F29C76B4}" dt="2022-10-02T21:50:11.790" v="754"/>
-        <pc:sldMkLst>
-          <pc:docMk/>
-          <pc:sldMk cId="2583827647" sldId="291"/>
-        </pc:sldMkLst>
-        <pc:spChg chg="mod">
-          <ac:chgData name="Moraes,Marcia" userId="c9c67e8a-58e2-4733-9a1c-5d44fec4775b" providerId="ADAL" clId="{CDF550E2-8E3B-484C-9123-A3E8F29C76B4}" dt="2022-10-02T21:26:07.347" v="266" actId="20577"/>
-          <ac:spMkLst>
-            <pc:docMk/>
-            <pc:sldMk cId="2583827647" sldId="291"/>
-            <ac:spMk id="2" creationId="{6302E6FC-80C8-2F4C-A9F0-9B205434775A}"/>
-          </ac:spMkLst>
-        </pc:spChg>
-        <pc:spChg chg="del">
-          <ac:chgData name="Moraes,Marcia" userId="c9c67e8a-58e2-4733-9a1c-5d44fec4775b" providerId="ADAL" clId="{CDF550E2-8E3B-484C-9123-A3E8F29C76B4}" dt="2022-10-02T21:26:15.332" v="267" actId="478"/>
-          <ac:spMkLst>
-            <pc:docMk/>
-            <pc:sldMk cId="2583827647" sldId="291"/>
-            <ac:spMk id="3" creationId="{664E4BAA-0145-4B3F-F512-13C025CA8048}"/>
-          </ac:spMkLst>
-        </pc:spChg>
-        <pc:spChg chg="mod">
-          <ac:chgData name="Moraes,Marcia" userId="c9c67e8a-58e2-4733-9a1c-5d44fec4775b" providerId="ADAL" clId="{CDF550E2-8E3B-484C-9123-A3E8F29C76B4}" dt="2022-10-02T21:50:11.790" v="754"/>
-          <ac:spMkLst>
-            <pc:docMk/>
-            <pc:sldMk cId="2583827647" sldId="291"/>
-            <ac:spMk id="4" creationId="{437AE17C-A5E4-3900-059D-6DE48F255D96}"/>
-          </ac:spMkLst>
-        </pc:spChg>
-        <pc:spChg chg="add mod">
-          <ac:chgData name="Moraes,Marcia" userId="c9c67e8a-58e2-4733-9a1c-5d44fec4775b" providerId="ADAL" clId="{CDF550E2-8E3B-484C-9123-A3E8F29C76B4}" dt="2022-10-02T21:38:28.779" v="421" actId="20577"/>
-          <ac:spMkLst>
-            <pc:docMk/>
-            <pc:sldMk cId="2583827647" sldId="291"/>
-            <ac:spMk id="5" creationId="{93884385-C891-0661-1C14-49EC366F60CD}"/>
-          </ac:spMkLst>
-        </pc:spChg>
-        <pc:spChg chg="add mod">
-          <ac:chgData name="Moraes,Marcia" userId="c9c67e8a-58e2-4733-9a1c-5d44fec4775b" providerId="ADAL" clId="{CDF550E2-8E3B-484C-9123-A3E8F29C76B4}" dt="2022-10-02T21:33:16.248" v="379" actId="207"/>
-          <ac:spMkLst>
-            <pc:docMk/>
-            <pc:sldMk cId="2583827647" sldId="291"/>
-            <ac:spMk id="6" creationId="{13D8D005-9C41-9685-0BED-39028AD67D6C}"/>
-          </ac:spMkLst>
-        </pc:spChg>
-        <pc:spChg chg="add mod">
-          <ac:chgData name="Moraes,Marcia" userId="c9c67e8a-58e2-4733-9a1c-5d44fec4775b" providerId="ADAL" clId="{CDF550E2-8E3B-484C-9123-A3E8F29C76B4}" dt="2022-10-02T21:41:35.632" v="490" actId="207"/>
-          <ac:spMkLst>
-            <pc:docMk/>
-            <pc:sldMk cId="2583827647" sldId="291"/>
-            <ac:spMk id="7" creationId="{AEBE8FC6-2037-E554-2BA0-F1479DC74F13}"/>
-          </ac:spMkLst>
-        </pc:spChg>
-        <pc:spChg chg="del">
-          <ac:chgData name="Moraes,Marcia" userId="c9c67e8a-58e2-4733-9a1c-5d44fec4775b" providerId="ADAL" clId="{CDF550E2-8E3B-484C-9123-A3E8F29C76B4}" dt="2022-10-02T21:26:16.192" v="268" actId="478"/>
-          <ac:spMkLst>
-            <pc:docMk/>
-            <pc:sldMk cId="2583827647" sldId="291"/>
-            <ac:spMk id="8" creationId="{C88BCBBD-DC77-F477-888A-C865D480A729}"/>
-          </ac:spMkLst>
-        </pc:spChg>
-        <pc:spChg chg="del">
-          <ac:chgData name="Moraes,Marcia" userId="c9c67e8a-58e2-4733-9a1c-5d44fec4775b" providerId="ADAL" clId="{CDF550E2-8E3B-484C-9123-A3E8F29C76B4}" dt="2022-10-02T21:26:17.381" v="270" actId="478"/>
-          <ac:spMkLst>
-            <pc:docMk/>
-            <pc:sldMk cId="2583827647" sldId="291"/>
-            <ac:spMk id="9" creationId="{D111C6D9-5C82-C699-ACBE-4A36BC9C6FB8}"/>
-          </ac:spMkLst>
-        </pc:spChg>
-        <pc:spChg chg="del">
-          <ac:chgData name="Moraes,Marcia" userId="c9c67e8a-58e2-4733-9a1c-5d44fec4775b" providerId="ADAL" clId="{CDF550E2-8E3B-484C-9123-A3E8F29C76B4}" dt="2022-10-02T21:26:16.743" v="269" actId="478"/>
-          <ac:spMkLst>
-            <pc:docMk/>
-            <pc:sldMk cId="2583827647" sldId="291"/>
-            <ac:spMk id="10" creationId="{4B959230-DDAC-6D36-A7E2-44F869B4B5A5}"/>
-          </ac:spMkLst>
-        </pc:spChg>
-        <pc:spChg chg="del mod">
-          <ac:chgData name="Moraes,Marcia" userId="c9c67e8a-58e2-4733-9a1c-5d44fec4775b" providerId="ADAL" clId="{CDF550E2-8E3B-484C-9123-A3E8F29C76B4}" dt="2022-10-02T21:26:19.646" v="273" actId="478"/>
-          <ac:spMkLst>
-            <pc:docMk/>
-            <pc:sldMk cId="2583827647" sldId="291"/>
-            <ac:spMk id="11" creationId="{C5A18BD3-9FAE-46BA-1F5F-CC53AA44FFC3}"/>
-          </ac:spMkLst>
-        </pc:spChg>
-        <pc:spChg chg="del">
-          <ac:chgData name="Moraes,Marcia" userId="c9c67e8a-58e2-4733-9a1c-5d44fec4775b" providerId="ADAL" clId="{CDF550E2-8E3B-484C-9123-A3E8F29C76B4}" dt="2022-10-02T21:26:18.677" v="272" actId="478"/>
-          <ac:spMkLst>
-            <pc:docMk/>
-            <pc:sldMk cId="2583827647" sldId="291"/>
-            <ac:spMk id="12" creationId="{2E04DD30-6202-493D-D201-8773C3440513}"/>
-          </ac:spMkLst>
-        </pc:spChg>
-      </pc:sldChg>
-      <pc:sldChg chg="del">
-        <pc:chgData name="Moraes,Marcia" userId="c9c67e8a-58e2-4733-9a1c-5d44fec4775b" providerId="ADAL" clId="{CDF550E2-8E3B-484C-9123-A3E8F29C76B4}" dt="2022-10-02T21:58:27.492" v="848" actId="47"/>
-        <pc:sldMkLst>
-          <pc:docMk/>
-          <pc:sldMk cId="504985521" sldId="292"/>
-        </pc:sldMkLst>
-      </pc:sldChg>
-      <pc:sldChg chg="del">
-        <pc:chgData name="Moraes,Marcia" userId="c9c67e8a-58e2-4733-9a1c-5d44fec4775b" providerId="ADAL" clId="{CDF550E2-8E3B-484C-9123-A3E8F29C76B4}" dt="2022-10-02T21:58:28.525" v="850" actId="47"/>
-        <pc:sldMkLst>
-          <pc:docMk/>
-          <pc:sldMk cId="1881057471" sldId="299"/>
-        </pc:sldMkLst>
-      </pc:sldChg>
-      <pc:sldChg chg="del">
-        <pc:chgData name="Moraes,Marcia" userId="c9c67e8a-58e2-4733-9a1c-5d44fec4775b" providerId="ADAL" clId="{CDF550E2-8E3B-484C-9123-A3E8F29C76B4}" dt="2022-10-02T21:58:29.088" v="851" actId="47"/>
-        <pc:sldMkLst>
-          <pc:docMk/>
-          <pc:sldMk cId="2959020408" sldId="300"/>
-        </pc:sldMkLst>
-      </pc:sldChg>
-      <pc:sldChg chg="del">
-        <pc:chgData name="Moraes,Marcia" userId="c9c67e8a-58e2-4733-9a1c-5d44fec4775b" providerId="ADAL" clId="{CDF550E2-8E3B-484C-9123-A3E8F29C76B4}" dt="2022-10-02T21:58:28.061" v="849" actId="47"/>
-        <pc:sldMkLst>
-          <pc:docMk/>
-          <pc:sldMk cId="3606473781" sldId="301"/>
-        </pc:sldMkLst>
-      </pc:sldChg>
-      <pc:sldChg chg="del">
-        <pc:chgData name="Moraes,Marcia" userId="c9c67e8a-58e2-4733-9a1c-5d44fec4775b" providerId="ADAL" clId="{CDF550E2-8E3B-484C-9123-A3E8F29C76B4}" dt="2022-10-02T21:58:31.509" v="854" actId="47"/>
-        <pc:sldMkLst>
-          <pc:docMk/>
-          <pc:sldMk cId="1566215787" sldId="302"/>
-        </pc:sldMkLst>
-      </pc:sldChg>
-      <pc:sldChg chg="del">
-        <pc:chgData name="Moraes,Marcia" userId="c9c67e8a-58e2-4733-9a1c-5d44fec4775b" providerId="ADAL" clId="{CDF550E2-8E3B-484C-9123-A3E8F29C76B4}" dt="2022-10-02T21:58:29.624" v="852" actId="47"/>
-        <pc:sldMkLst>
-          <pc:docMk/>
-          <pc:sldMk cId="3498123700" sldId="303"/>
-        </pc:sldMkLst>
-      </pc:sldChg>
-      <pc:sldChg chg="del">
-        <pc:chgData name="Moraes,Marcia" userId="c9c67e8a-58e2-4733-9a1c-5d44fec4775b" providerId="ADAL" clId="{CDF550E2-8E3B-484C-9123-A3E8F29C76B4}" dt="2022-10-02T21:58:30.194" v="853" actId="47"/>
-        <pc:sldMkLst>
-          <pc:docMk/>
-          <pc:sldMk cId="2845578736" sldId="304"/>
-        </pc:sldMkLst>
-      </pc:sldChg>
-      <pc:sldChg chg="del">
-        <pc:chgData name="Moraes,Marcia" userId="c9c67e8a-58e2-4733-9a1c-5d44fec4775b" providerId="ADAL" clId="{CDF550E2-8E3B-484C-9123-A3E8F29C76B4}" dt="2022-10-02T21:58:32.241" v="855" actId="47"/>
-        <pc:sldMkLst>
-          <pc:docMk/>
-          <pc:sldMk cId="2419977487" sldId="305"/>
-        </pc:sldMkLst>
-      </pc:sldChg>
-      <pc:sldChg chg="del">
-        <pc:chgData name="Moraes,Marcia" userId="c9c67e8a-58e2-4733-9a1c-5d44fec4775b" providerId="ADAL" clId="{CDF550E2-8E3B-484C-9123-A3E8F29C76B4}" dt="2022-10-02T21:58:32.923" v="856" actId="47"/>
-        <pc:sldMkLst>
-          <pc:docMk/>
-          <pc:sldMk cId="1296056827" sldId="306"/>
-        </pc:sldMkLst>
-      </pc:sldChg>
-      <pc:sldChg chg="del">
-        <pc:chgData name="Moraes,Marcia" userId="c9c67e8a-58e2-4733-9a1c-5d44fec4775b" providerId="ADAL" clId="{CDF550E2-8E3B-484C-9123-A3E8F29C76B4}" dt="2022-10-02T21:58:33.977" v="857" actId="47"/>
-        <pc:sldMkLst>
-          <pc:docMk/>
-          <pc:sldMk cId="230197783" sldId="307"/>
-        </pc:sldMkLst>
-      </pc:sldChg>
-      <pc:sldChg chg="del">
-        <pc:chgData name="Moraes,Marcia" userId="c9c67e8a-58e2-4733-9a1c-5d44fec4775b" providerId="ADAL" clId="{CDF550E2-8E3B-484C-9123-A3E8F29C76B4}" dt="2022-10-02T21:58:34.699" v="858" actId="47"/>
-        <pc:sldMkLst>
-          <pc:docMk/>
-          <pc:sldMk cId="4156992912" sldId="308"/>
-        </pc:sldMkLst>
-      </pc:sldChg>
-      <pc:sldChg chg="del">
-        <pc:chgData name="Moraes,Marcia" userId="c9c67e8a-58e2-4733-9a1c-5d44fec4775b" providerId="ADAL" clId="{CDF550E2-8E3B-484C-9123-A3E8F29C76B4}" dt="2022-10-02T21:58:35.252" v="859" actId="47"/>
-        <pc:sldMkLst>
-          <pc:docMk/>
-          <pc:sldMk cId="1712003365" sldId="309"/>
-        </pc:sldMkLst>
-      </pc:sldChg>
-      <pc:sldChg chg="del">
-        <pc:chgData name="Moraes,Marcia" userId="c9c67e8a-58e2-4733-9a1c-5d44fec4775b" providerId="ADAL" clId="{CDF550E2-8E3B-484C-9123-A3E8F29C76B4}" dt="2022-10-02T21:58:35.824" v="860" actId="47"/>
-        <pc:sldMkLst>
-          <pc:docMk/>
-          <pc:sldMk cId="9735467" sldId="310"/>
-        </pc:sldMkLst>
-      </pc:sldChg>
-      <pc:sldChg chg="del">
-        <pc:chgData name="Moraes,Marcia" userId="c9c67e8a-58e2-4733-9a1c-5d44fec4775b" providerId="ADAL" clId="{CDF550E2-8E3B-484C-9123-A3E8F29C76B4}" dt="2022-10-02T21:58:36.416" v="861" actId="47"/>
-        <pc:sldMkLst>
-          <pc:docMk/>
-          <pc:sldMk cId="952989521" sldId="311"/>
-        </pc:sldMkLst>
-      </pc:sldChg>
-      <pc:sldChg chg="addSp delSp modSp add mod delAnim modAnim">
-        <pc:chgData name="Moraes,Marcia" userId="c9c67e8a-58e2-4733-9a1c-5d44fec4775b" providerId="ADAL" clId="{CDF550E2-8E3B-484C-9123-A3E8F29C76B4}" dt="2022-10-02T21:55:03.907" v="797"/>
-        <pc:sldMkLst>
-          <pc:docMk/>
-          <pc:sldMk cId="54017807" sldId="312"/>
-        </pc:sldMkLst>
-        <pc:spChg chg="mod">
-          <ac:chgData name="Moraes,Marcia" userId="c9c67e8a-58e2-4733-9a1c-5d44fec4775b" providerId="ADAL" clId="{CDF550E2-8E3B-484C-9123-A3E8F29C76B4}" dt="2022-10-02T21:44:18.683" v="556" actId="20577"/>
-          <ac:spMkLst>
-            <pc:docMk/>
-            <pc:sldMk cId="54017807" sldId="312"/>
-            <ac:spMk id="2" creationId="{6302E6FC-80C8-2F4C-A9F0-9B205434775A}"/>
-          </ac:spMkLst>
-        </pc:spChg>
-        <pc:spChg chg="add mod">
-          <ac:chgData name="Moraes,Marcia" userId="c9c67e8a-58e2-4733-9a1c-5d44fec4775b" providerId="ADAL" clId="{CDF550E2-8E3B-484C-9123-A3E8F29C76B4}" dt="2022-10-02T21:51:56.438" v="763" actId="1076"/>
-          <ac:spMkLst>
-            <pc:docMk/>
-            <pc:sldMk cId="54017807" sldId="312"/>
-            <ac:spMk id="3" creationId="{5A45F1CF-5E45-63D7-B968-A86566B8B8F8}"/>
-          </ac:spMkLst>
-        </pc:spChg>
-        <pc:spChg chg="del">
-          <ac:chgData name="Moraes,Marcia" userId="c9c67e8a-58e2-4733-9a1c-5d44fec4775b" providerId="ADAL" clId="{CDF550E2-8E3B-484C-9123-A3E8F29C76B4}" dt="2022-10-02T21:43:53.028" v="545" actId="478"/>
-          <ac:spMkLst>
-            <pc:docMk/>
-            <pc:sldMk cId="54017807" sldId="312"/>
-            <ac:spMk id="4" creationId="{437AE17C-A5E4-3900-059D-6DE48F255D96}"/>
-          </ac:spMkLst>
-        </pc:spChg>
-        <pc:spChg chg="del mod">
-          <ac:chgData name="Moraes,Marcia" userId="c9c67e8a-58e2-4733-9a1c-5d44fec4775b" providerId="ADAL" clId="{CDF550E2-8E3B-484C-9123-A3E8F29C76B4}" dt="2022-10-02T21:43:30.597" v="542" actId="478"/>
-          <ac:spMkLst>
-            <pc:docMk/>
-            <pc:sldMk cId="54017807" sldId="312"/>
-            <ac:spMk id="5" creationId="{93884385-C891-0661-1C14-49EC366F60CD}"/>
-          </ac:spMkLst>
-        </pc:spChg>
-        <pc:spChg chg="del">
-          <ac:chgData name="Moraes,Marcia" userId="c9c67e8a-58e2-4733-9a1c-5d44fec4775b" providerId="ADAL" clId="{CDF550E2-8E3B-484C-9123-A3E8F29C76B4}" dt="2022-10-02T21:42:35.050" v="513" actId="478"/>
-          <ac:spMkLst>
-            <pc:docMk/>
-            <pc:sldMk cId="54017807" sldId="312"/>
-            <ac:spMk id="6" creationId="{13D8D005-9C41-9685-0BED-39028AD67D6C}"/>
-          </ac:spMkLst>
-        </pc:spChg>
-        <pc:spChg chg="add mod">
-          <ac:chgData name="Moraes,Marcia" userId="c9c67e8a-58e2-4733-9a1c-5d44fec4775b" providerId="ADAL" clId="{CDF550E2-8E3B-484C-9123-A3E8F29C76B4}" dt="2022-10-02T21:51:52.125" v="762" actId="1076"/>
-          <ac:spMkLst>
-            <pc:docMk/>
-            <pc:sldMk cId="54017807" sldId="312"/>
-            <ac:spMk id="7" creationId="{4F633E91-4746-E16E-814C-E274195FBC33}"/>
-          </ac:spMkLst>
-        </pc:spChg>
-        <pc:spChg chg="add mod">
-          <ac:chgData name="Moraes,Marcia" userId="c9c67e8a-58e2-4733-9a1c-5d44fec4775b" providerId="ADAL" clId="{CDF550E2-8E3B-484C-9123-A3E8F29C76B4}" dt="2022-10-02T21:51:42.612" v="760" actId="14100"/>
-          <ac:spMkLst>
-            <pc:docMk/>
-            <pc:sldMk cId="54017807" sldId="312"/>
-            <ac:spMk id="8" creationId="{6CC2D689-5D42-D471-2CB0-A518BC27B142}"/>
-          </ac:spMkLst>
-        </pc:spChg>
-        <pc:spChg chg="add mod">
-          <ac:chgData name="Moraes,Marcia" userId="c9c67e8a-58e2-4733-9a1c-5d44fec4775b" providerId="ADAL" clId="{CDF550E2-8E3B-484C-9123-A3E8F29C76B4}" dt="2022-10-02T21:51:48.373" v="761" actId="1076"/>
-          <ac:spMkLst>
-            <pc:docMk/>
-            <pc:sldMk cId="54017807" sldId="312"/>
-            <ac:spMk id="9" creationId="{7A0436C5-EF15-54BF-3575-26D96B1320A7}"/>
-          </ac:spMkLst>
-        </pc:spChg>
-        <pc:spChg chg="add mod">
-          <ac:chgData name="Moraes,Marcia" userId="c9c67e8a-58e2-4733-9a1c-5d44fec4775b" providerId="ADAL" clId="{CDF550E2-8E3B-484C-9123-A3E8F29C76B4}" dt="2022-10-02T21:52:27.821" v="770" actId="1076"/>
-          <ac:spMkLst>
-            <pc:docMk/>
-            <pc:sldMk cId="54017807" sldId="312"/>
-            <ac:spMk id="11" creationId="{00B1050C-B9CD-F6D8-3AAD-372D4C440590}"/>
-          </ac:spMkLst>
-        </pc:spChg>
-        <pc:spChg chg="add mod">
-          <ac:chgData name="Moraes,Marcia" userId="c9c67e8a-58e2-4733-9a1c-5d44fec4775b" providerId="ADAL" clId="{CDF550E2-8E3B-484C-9123-A3E8F29C76B4}" dt="2022-10-02T21:53:14.570" v="790" actId="20577"/>
-          <ac:spMkLst>
-            <pc:docMk/>
-            <pc:sldMk cId="54017807" sldId="312"/>
-            <ac:spMk id="12" creationId="{499FE85B-9F44-F912-A287-2F0C4833F28C}"/>
-          </ac:spMkLst>
-        </pc:spChg>
-        <pc:spChg chg="add mod">
-          <ac:chgData name="Moraes,Marcia" userId="c9c67e8a-58e2-4733-9a1c-5d44fec4775b" providerId="ADAL" clId="{CDF550E2-8E3B-484C-9123-A3E8F29C76B4}" dt="2022-10-02T21:54:59.771" v="796" actId="207"/>
-          <ac:spMkLst>
-            <pc:docMk/>
-            <pc:sldMk cId="54017807" sldId="312"/>
-            <ac:spMk id="14" creationId="{D53DEA64-CCE9-5367-BA2D-A6689A507D9A}"/>
-          </ac:spMkLst>
-        </pc:spChg>
-      </pc:sldChg>
-      <pc:sldChg chg="addSp delSp modSp add mod modAnim">
-        <pc:chgData name="Moraes,Marcia" userId="c9c67e8a-58e2-4733-9a1c-5d44fec4775b" providerId="ADAL" clId="{CDF550E2-8E3B-484C-9123-A3E8F29C76B4}" dt="2022-10-02T22:06:25.248" v="978" actId="14100"/>
-        <pc:sldMkLst>
-          <pc:docMk/>
-          <pc:sldMk cId="1151228611" sldId="313"/>
-        </pc:sldMkLst>
-        <pc:spChg chg="mod">
-          <ac:chgData name="Moraes,Marcia" userId="c9c67e8a-58e2-4733-9a1c-5d44fec4775b" providerId="ADAL" clId="{CDF550E2-8E3B-484C-9123-A3E8F29C76B4}" dt="2022-10-02T21:58:56.820" v="891" actId="20577"/>
-          <ac:spMkLst>
-            <pc:docMk/>
-            <pc:sldMk cId="1151228611" sldId="313"/>
-            <ac:spMk id="2" creationId="{6302E6FC-80C8-2F4C-A9F0-9B205434775A}"/>
-          </ac:spMkLst>
-        </pc:spChg>
-        <pc:spChg chg="add mod">
-          <ac:chgData name="Moraes,Marcia" userId="c9c67e8a-58e2-4733-9a1c-5d44fec4775b" providerId="ADAL" clId="{CDF550E2-8E3B-484C-9123-A3E8F29C76B4}" dt="2022-10-02T22:02:51.146" v="931" actId="20577"/>
-          <ac:spMkLst>
-            <pc:docMk/>
-            <pc:sldMk cId="1151228611" sldId="313"/>
-            <ac:spMk id="3" creationId="{32D422D9-8F63-3416-22F2-1AA436BB8929}"/>
-          </ac:spMkLst>
-        </pc:spChg>
-        <pc:spChg chg="del">
-          <ac:chgData name="Moraes,Marcia" userId="c9c67e8a-58e2-4733-9a1c-5d44fec4775b" providerId="ADAL" clId="{CDF550E2-8E3B-484C-9123-A3E8F29C76B4}" dt="2022-10-02T21:58:59.530" v="892" actId="478"/>
-          <ac:spMkLst>
-            <pc:docMk/>
-            <pc:sldMk cId="1151228611" sldId="313"/>
-            <ac:spMk id="7" creationId="{7E3AFA68-1098-A58A-AFE6-A3CDB2C27107}"/>
-          </ac:spMkLst>
-        </pc:spChg>
-        <pc:spChg chg="add mod">
-          <ac:chgData name="Moraes,Marcia" userId="c9c67e8a-58e2-4733-9a1c-5d44fec4775b" providerId="ADAL" clId="{CDF550E2-8E3B-484C-9123-A3E8F29C76B4}" dt="2022-10-02T22:03:29.614" v="941" actId="1076"/>
-          <ac:spMkLst>
-            <pc:docMk/>
-            <pc:sldMk cId="1151228611" sldId="313"/>
-            <ac:spMk id="8" creationId="{816E788F-1444-C86F-38B1-93E70CA1BCFC}"/>
-          </ac:spMkLst>
-        </pc:spChg>
-        <pc:spChg chg="mod">
-          <ac:chgData name="Moraes,Marcia" userId="c9c67e8a-58e2-4733-9a1c-5d44fec4775b" providerId="ADAL" clId="{CDF550E2-8E3B-484C-9123-A3E8F29C76B4}" dt="2022-10-02T21:59:26.354" v="897" actId="1076"/>
-          <ac:spMkLst>
-            <pc:docMk/>
-            <pc:sldMk cId="1151228611" sldId="313"/>
-            <ac:spMk id="10" creationId="{B95A785D-CDF1-8370-85D2-2BEEBD973E2A}"/>
-          </ac:spMkLst>
-        </pc:spChg>
-        <pc:spChg chg="add mod">
-          <ac:chgData name="Moraes,Marcia" userId="c9c67e8a-58e2-4733-9a1c-5d44fec4775b" providerId="ADAL" clId="{CDF550E2-8E3B-484C-9123-A3E8F29C76B4}" dt="2022-10-02T22:03:26.936" v="940" actId="1076"/>
-          <ac:spMkLst>
-            <pc:docMk/>
-            <pc:sldMk cId="1151228611" sldId="313"/>
-            <ac:spMk id="11" creationId="{DF74F108-B339-2DEB-0AF8-AF526D9BD11E}"/>
-          </ac:spMkLst>
-        </pc:spChg>
-        <pc:spChg chg="add mod">
-          <ac:chgData name="Moraes,Marcia" userId="c9c67e8a-58e2-4733-9a1c-5d44fec4775b" providerId="ADAL" clId="{CDF550E2-8E3B-484C-9123-A3E8F29C76B4}" dt="2022-10-02T22:04:50.052" v="959" actId="1076"/>
-          <ac:spMkLst>
-            <pc:docMk/>
-            <pc:sldMk cId="1151228611" sldId="313"/>
-            <ac:spMk id="14" creationId="{B2602B31-FEBF-AD11-3046-4315F98041C2}"/>
-          </ac:spMkLst>
-        </pc:spChg>
-        <pc:spChg chg="add mod">
-          <ac:chgData name="Moraes,Marcia" userId="c9c67e8a-58e2-4733-9a1c-5d44fec4775b" providerId="ADAL" clId="{CDF550E2-8E3B-484C-9123-A3E8F29C76B4}" dt="2022-10-02T22:05:27.658" v="967" actId="20577"/>
-          <ac:spMkLst>
-            <pc:docMk/>
-            <pc:sldMk cId="1151228611" sldId="313"/>
-            <ac:spMk id="17" creationId="{5C8F0083-6B96-1CED-33EE-48A4622DAABA}"/>
-          </ac:spMkLst>
-        </pc:spChg>
-        <pc:spChg chg="add mod">
-          <ac:chgData name="Moraes,Marcia" userId="c9c67e8a-58e2-4733-9a1c-5d44fec4775b" providerId="ADAL" clId="{CDF550E2-8E3B-484C-9123-A3E8F29C76B4}" dt="2022-10-02T22:06:12.181" v="975" actId="20577"/>
-          <ac:spMkLst>
-            <pc:docMk/>
-            <pc:sldMk cId="1151228611" sldId="313"/>
-            <ac:spMk id="19" creationId="{0B9CEFF4-81CE-28E4-E98A-357DC686894E}"/>
-          </ac:spMkLst>
-        </pc:spChg>
-        <pc:cxnChg chg="add mod">
-          <ac:chgData name="Moraes,Marcia" userId="c9c67e8a-58e2-4733-9a1c-5d44fec4775b" providerId="ADAL" clId="{CDF550E2-8E3B-484C-9123-A3E8F29C76B4}" dt="2022-10-02T22:03:33.063" v="942" actId="14100"/>
-          <ac:cxnSpMkLst>
-            <pc:docMk/>
-            <pc:sldMk cId="1151228611" sldId="313"/>
-            <ac:cxnSpMk id="6" creationId="{C234D272-83B7-7446-7D39-323D333B79D2}"/>
-          </ac:cxnSpMkLst>
-        </pc:cxnChg>
-        <pc:cxnChg chg="add mod">
-          <ac:chgData name="Moraes,Marcia" userId="c9c67e8a-58e2-4733-9a1c-5d44fec4775b" providerId="ADAL" clId="{CDF550E2-8E3B-484C-9123-A3E8F29C76B4}" dt="2022-10-02T22:03:26.936" v="940" actId="1076"/>
-          <ac:cxnSpMkLst>
-            <pc:docMk/>
-            <pc:sldMk cId="1151228611" sldId="313"/>
-            <ac:cxnSpMk id="9" creationId="{45CB712A-FA93-6611-6C2A-651539610200}"/>
-          </ac:cxnSpMkLst>
-        </pc:cxnChg>
-        <pc:cxnChg chg="add mod">
-          <ac:chgData name="Moraes,Marcia" userId="c9c67e8a-58e2-4733-9a1c-5d44fec4775b" providerId="ADAL" clId="{CDF550E2-8E3B-484C-9123-A3E8F29C76B4}" dt="2022-10-02T22:05:31.130" v="968" actId="14100"/>
-          <ac:cxnSpMkLst>
-            <pc:docMk/>
-            <pc:sldMk cId="1151228611" sldId="313"/>
-            <ac:cxnSpMk id="16" creationId="{405ADEBD-3DF1-38CE-2010-8C5629777D06}"/>
-          </ac:cxnSpMkLst>
-        </pc:cxnChg>
-        <pc:cxnChg chg="add mod">
-          <ac:chgData name="Moraes,Marcia" userId="c9c67e8a-58e2-4733-9a1c-5d44fec4775b" providerId="ADAL" clId="{CDF550E2-8E3B-484C-9123-A3E8F29C76B4}" dt="2022-10-02T22:06:25.248" v="978" actId="14100"/>
-          <ac:cxnSpMkLst>
-            <pc:docMk/>
-            <pc:sldMk cId="1151228611" sldId="313"/>
-            <ac:cxnSpMk id="20" creationId="{C850C20F-0955-364B-97C2-84E2EF095B40}"/>
-          </ac:cxnSpMkLst>
-        </pc:cxnChg>
-      </pc:sldChg>
-      <pc:sldChg chg="delSp modSp add mod ord">
-        <pc:chgData name="Moraes,Marcia" userId="c9c67e8a-58e2-4733-9a1c-5d44fec4775b" providerId="ADAL" clId="{CDF550E2-8E3B-484C-9123-A3E8F29C76B4}" dt="2022-10-02T22:19:52.658" v="1877" actId="20577"/>
-        <pc:sldMkLst>
-          <pc:docMk/>
-          <pc:sldMk cId="3408714727" sldId="314"/>
-        </pc:sldMkLst>
-        <pc:spChg chg="mod">
-          <ac:chgData name="Moraes,Marcia" userId="c9c67e8a-58e2-4733-9a1c-5d44fec4775b" providerId="ADAL" clId="{CDF550E2-8E3B-484C-9123-A3E8F29C76B4}" dt="2022-10-02T22:08:00.809" v="994" actId="20577"/>
-          <ac:spMkLst>
-            <pc:docMk/>
-            <pc:sldMk cId="3408714727" sldId="314"/>
-            <ac:spMk id="2" creationId="{6302E6FC-80C8-2F4C-A9F0-9B205434775A}"/>
-          </ac:spMkLst>
-        </pc:spChg>
-        <pc:spChg chg="mod">
-          <ac:chgData name="Moraes,Marcia" userId="c9c67e8a-58e2-4733-9a1c-5d44fec4775b" providerId="ADAL" clId="{CDF550E2-8E3B-484C-9123-A3E8F29C76B4}" dt="2022-10-02T22:19:52.658" v="1877" actId="20577"/>
-          <ac:spMkLst>
-            <pc:docMk/>
-            <pc:sldMk cId="3408714727" sldId="314"/>
-            <ac:spMk id="4" creationId="{EDD76D24-F9A2-8B05-DE9C-DFBF0C702332}"/>
-          </ac:spMkLst>
-        </pc:spChg>
-        <pc:picChg chg="del">
-          <ac:chgData name="Moraes,Marcia" userId="c9c67e8a-58e2-4733-9a1c-5d44fec4775b" providerId="ADAL" clId="{CDF550E2-8E3B-484C-9123-A3E8F29C76B4}" dt="2022-10-02T22:07:53.959" v="982" actId="478"/>
-          <ac:picMkLst>
-            <pc:docMk/>
-            <pc:sldMk cId="3408714727" sldId="314"/>
-            <ac:picMk id="2050" creationId="{454906C0-6A25-57A4-8E3E-C492A7FA2B92}"/>
-          </ac:picMkLst>
-        </pc:picChg>
-      </pc:sldChg>
-      <pc:sldChg chg="modSp add mod">
-        <pc:chgData name="Moraes,Marcia" userId="c9c67e8a-58e2-4733-9a1c-5d44fec4775b" providerId="ADAL" clId="{CDF550E2-8E3B-484C-9123-A3E8F29C76B4}" dt="2022-10-02T22:17:17.978" v="1538" actId="20577"/>
-        <pc:sldMkLst>
-          <pc:docMk/>
-          <pc:sldMk cId="1645837360" sldId="315"/>
-        </pc:sldMkLst>
-        <pc:spChg chg="mod">
-          <ac:chgData name="Moraes,Marcia" userId="c9c67e8a-58e2-4733-9a1c-5d44fec4775b" providerId="ADAL" clId="{CDF550E2-8E3B-484C-9123-A3E8F29C76B4}" dt="2022-10-02T22:11:53.082" v="1049" actId="20577"/>
-          <ac:spMkLst>
-            <pc:docMk/>
-            <pc:sldMk cId="1645837360" sldId="315"/>
-            <ac:spMk id="2" creationId="{6302E6FC-80C8-2F4C-A9F0-9B205434775A}"/>
-          </ac:spMkLst>
-        </pc:spChg>
-        <pc:spChg chg="mod">
-          <ac:chgData name="Moraes,Marcia" userId="c9c67e8a-58e2-4733-9a1c-5d44fec4775b" providerId="ADAL" clId="{CDF550E2-8E3B-484C-9123-A3E8F29C76B4}" dt="2022-10-02T22:17:17.978" v="1538" actId="20577"/>
-          <ac:spMkLst>
-            <pc:docMk/>
-            <pc:sldMk cId="1645837360" sldId="315"/>
             <ac:spMk id="4" creationId="{EDD76D24-F9A2-8B05-DE9C-DFBF0C702332}"/>
           </ac:spMkLst>
         </pc:spChg>
@@ -20178,7 +19572,7 @@
         <p:spPr>
           <a:xfrm>
             <a:off x="415638" y="1175745"/>
-            <a:ext cx="6289962" cy="2188343"/>
+            <a:ext cx="6289962" cy="1683794"/>
           </a:xfrm>
         </p:spPr>
         <p:txBody>
@@ -20203,13 +19597,14 @@
             </a:r>
           </a:p>
           <a:p>
+            <a:pPr marL="285750" indent="-285750">
+              <a:buFont typeface="Arial" panose="020B0604020202020204" pitchFamily="34" charset="0"/>
+              <a:buChar char="•"/>
+            </a:pPr>
             <a:r>
-              <a:rPr lang="en-US" sz="1800" dirty="0">
-                <a:sym typeface="Wingdings" panose="05000000000000000000" pitchFamily="2" charset="2"/>
-              </a:rPr>
-              <a:t>Turn in your writing to the TAs or myself at the end of the class.</a:t>
+              <a:rPr lang="en-US" sz="1800" dirty="0"/>
+              <a:t>Write your answer in our today’s attendance assignment.</a:t>
             </a:r>
-            <a:endParaRPr lang="en-US" sz="1800" dirty="0"/>
           </a:p>
         </p:txBody>
       </p:sp>
@@ -21395,13 +20790,13 @@
   <p:clrMapOvr>
     <a:masterClrMapping/>
   </p:clrMapOvr>
-  <mc:AlternateContent xmlns:mc="http://schemas.openxmlformats.org/markup-compatibility/2006">
-    <mc:Choice xmlns:p14="http://schemas.microsoft.com/office/powerpoint/2010/main" Requires="p14">
+  <mc:AlternateContent xmlns:mc="http://schemas.openxmlformats.org/markup-compatibility/2006" xmlns:p14="http://schemas.microsoft.com/office/powerpoint/2010/main">
+    <mc:Choice Requires="p14">
       <p:transition p14:dur="300">
         <p:fade/>
       </p:transition>
     </mc:Choice>
-    <mc:Fallback>
+    <mc:Fallback xmlns="">
       <p:transition>
         <p:fade/>
       </p:transition>
@@ -22941,13 +22336,13 @@
   <p:clrMapOvr>
     <a:masterClrMapping/>
   </p:clrMapOvr>
-  <mc:AlternateContent xmlns:mc="http://schemas.openxmlformats.org/markup-compatibility/2006">
-    <mc:Choice xmlns:p14="http://schemas.microsoft.com/office/powerpoint/2010/main" Requires="p14">
+  <mc:AlternateContent xmlns:mc="http://schemas.openxmlformats.org/markup-compatibility/2006" xmlns:p14="http://schemas.microsoft.com/office/powerpoint/2010/main">
+    <mc:Choice Requires="p14">
       <p:transition p14:dur="300">
         <p:fade/>
       </p:transition>
     </mc:Choice>
-    <mc:Fallback>
+    <mc:Fallback xmlns="">
       <p:transition>
         <p:fade/>
       </p:transition>
@@ -23436,13 +22831,13 @@
   <p:clrMapOvr>
     <a:masterClrMapping/>
   </p:clrMapOvr>
-  <mc:AlternateContent xmlns:mc="http://schemas.openxmlformats.org/markup-compatibility/2006">
-    <mc:Choice xmlns:p14="http://schemas.microsoft.com/office/powerpoint/2010/main" Requires="p14">
+  <mc:AlternateContent xmlns:mc="http://schemas.openxmlformats.org/markup-compatibility/2006" xmlns:p14="http://schemas.microsoft.com/office/powerpoint/2010/main">
+    <mc:Choice Requires="p14">
       <p:transition p14:dur="300">
         <p:fade/>
       </p:transition>
     </mc:Choice>
-    <mc:Fallback>
+    <mc:Fallback xmlns="">
       <p:transition>
         <p:fade/>
       </p:transition>
@@ -23586,13 +22981,13 @@
   <p:clrMapOvr>
     <a:masterClrMapping/>
   </p:clrMapOvr>
-  <mc:AlternateContent xmlns:mc="http://schemas.openxmlformats.org/markup-compatibility/2006">
-    <mc:Choice xmlns:p14="http://schemas.microsoft.com/office/powerpoint/2010/main" Requires="p14">
+  <mc:AlternateContent xmlns:mc="http://schemas.openxmlformats.org/markup-compatibility/2006" xmlns:p14="http://schemas.microsoft.com/office/powerpoint/2010/main">
+    <mc:Choice Requires="p14">
       <p:transition p14:dur="300">
         <p:fade/>
       </p:transition>
     </mc:Choice>
-    <mc:Fallback>
+    <mc:Fallback xmlns="">
       <p:transition>
         <p:fade/>
       </p:transition>
@@ -24511,6 +23906,15 @@
 </file>
 
 <file path=customXml/item2.xml><?xml version="1.0" encoding="utf-8"?>
+<?mso-contentType ?>
+<FormTemplates xmlns="http://schemas.microsoft.com/sharepoint/v3/contenttype/forms">
+  <Display>DocumentLibraryForm</Display>
+  <Edit>DocumentLibraryForm</Edit>
+  <New>DocumentLibraryForm</New>
+</FormTemplates>
+</file>
+
+<file path=customXml/item3.xml><?xml version="1.0" encoding="utf-8"?>
 <ct:contentTypeSchema xmlns:ct="http://schemas.microsoft.com/office/2006/metadata/contentType" xmlns:ma="http://schemas.microsoft.com/office/2006/metadata/properties/metaAttributes" ct:_="" ma:_="" ma:contentTypeName="Document" ma:contentTypeID="0x010100074387D78AC76C4289401EF66FB51FCC" ma:contentTypeVersion="14" ma:contentTypeDescription="Create a new document." ma:contentTypeScope="" ma:versionID="16aa88660fc2fdca5573e381835fe0c9">
   <xsd:schema xmlns:xsd="http://www.w3.org/2001/XMLSchema" xmlns:xs="http://www.w3.org/2001/XMLSchema" xmlns:p="http://schemas.microsoft.com/office/2006/metadata/properties" xmlns:ns3="92c41bee-f0ee-4aa6-9399-a35fbb883510" xmlns:ns4="e06ed288-fd75-4b50-bbed-f5a5df88c31c" targetNamespace="http://schemas.microsoft.com/office/2006/metadata/properties" ma:root="true" ma:fieldsID="d08ce21c39dd96af8dcee1a6fd74aaf6" ns3:_="" ns4:_="">
     <xsd:import namespace="92c41bee-f0ee-4aa6-9399-a35fbb883510"/>
@@ -24739,33 +24143,32 @@
 </ct:contentTypeSchema>
 </file>
 
-<file path=customXml/item3.xml><?xml version="1.0" encoding="utf-8"?>
-<?mso-contentType ?>
-<FormTemplates xmlns="http://schemas.microsoft.com/sharepoint/v3/contenttype/forms">
-  <Display>DocumentLibraryForm</Display>
-  <Edit>DocumentLibraryForm</Edit>
-  <New>DocumentLibraryForm</New>
-</FormTemplates>
-</file>
-
 <file path=customXml/itemProps1.xml><?xml version="1.0" encoding="utf-8"?>
 <ds:datastoreItem xmlns:ds="http://schemas.openxmlformats.org/officeDocument/2006/customXml" ds:itemID="{05D3EE4C-68D3-4BA3-94E6-383E2DFDD168}">
   <ds:schemaRefs>
-    <ds:schemaRef ds:uri="http://schemas.microsoft.com/office/2006/documentManagement/types"/>
-    <ds:schemaRef ds:uri="http://schemas.microsoft.com/office/infopath/2007/PartnerControls"/>
+    <ds:schemaRef ds:uri="http://schemas.openxmlformats.org/package/2006/metadata/core-properties"/>
+    <ds:schemaRef ds:uri="e06ed288-fd75-4b50-bbed-f5a5df88c31c"/>
     <ds:schemaRef ds:uri="http://purl.org/dc/dcmitype/"/>
     <ds:schemaRef ds:uri="http://purl.org/dc/elements/1.1/"/>
-    <ds:schemaRef ds:uri="e06ed288-fd75-4b50-bbed-f5a5df88c31c"/>
+    <ds:schemaRef ds:uri="http://schemas.microsoft.com/office/infopath/2007/PartnerControls"/>
+    <ds:schemaRef ds:uri="http://www.w3.org/XML/1998/namespace"/>
+    <ds:schemaRef ds:uri="http://schemas.microsoft.com/office/2006/documentManagement/types"/>
+    <ds:schemaRef ds:uri="http://purl.org/dc/terms/"/>
+    <ds:schemaRef ds:uri="92c41bee-f0ee-4aa6-9399-a35fbb883510"/>
     <ds:schemaRef ds:uri="http://schemas.microsoft.com/office/2006/metadata/properties"/>
-    <ds:schemaRef ds:uri="http://purl.org/dc/terms/"/>
-    <ds:schemaRef ds:uri="http://schemas.openxmlformats.org/package/2006/metadata/core-properties"/>
-    <ds:schemaRef ds:uri="92c41bee-f0ee-4aa6-9399-a35fbb883510"/>
-    <ds:schemaRef ds:uri="http://www.w3.org/XML/1998/namespace"/>
   </ds:schemaRefs>
 </ds:datastoreItem>
 </file>
 
 <file path=customXml/itemProps2.xml><?xml version="1.0" encoding="utf-8"?>
+<ds:datastoreItem xmlns:ds="http://schemas.openxmlformats.org/officeDocument/2006/customXml" ds:itemID="{ECBA097B-6123-4B8A-8BF9-8745C25437D5}">
+  <ds:schemaRefs>
+    <ds:schemaRef ds:uri="http://schemas.microsoft.com/sharepoint/v3/contenttype/forms"/>
+  </ds:schemaRefs>
+</ds:datastoreItem>
+</file>
+
+<file path=customXml/itemProps3.xml><?xml version="1.0" encoding="utf-8"?>
 <ds:datastoreItem xmlns:ds="http://schemas.openxmlformats.org/officeDocument/2006/customXml" ds:itemID="{ECE8EA35-9C42-4825-ABC6-2C345E857976}">
   <ds:schemaRefs>
     <ds:schemaRef ds:uri="http://schemas.microsoft.com/office/2006/metadata/contentType"/>
@@ -24782,12 +24185,4 @@
     <ds:schemaRef ds:uri="http://schemas.microsoft.com/internal/obd"/>
   </ds:schemaRefs>
 </ds:datastoreItem>
-</file>
-
-<file path=customXml/itemProps3.xml><?xml version="1.0" encoding="utf-8"?>
-<ds:datastoreItem xmlns:ds="http://schemas.openxmlformats.org/officeDocument/2006/customXml" ds:itemID="{ECBA097B-6123-4B8A-8BF9-8745C25437D5}">
-  <ds:schemaRefs>
-    <ds:schemaRef ds:uri="http://schemas.microsoft.com/sharepoint/v3/contenttype/forms"/>
-  </ds:schemaRefs>
-</ds:datastoreItem>
 </file>